--- a/C#학습교안.pptx
+++ b/C#학습교안.pptx
@@ -226,7 +226,7 @@
           <a:p>
             <a:fld id="{E373CE7A-DA99-4F37-975C-5069997BE71A}" type="datetimeFigureOut">
               <a:rPr lang="ko-KR" altLang="en-US" smtClean="0"/>
-              <a:t>2022-03-13</a:t>
+              <a:t>2023-02-18</a:t>
             </a:fld>
             <a:endParaRPr lang="ko-KR" altLang="en-US"/>
           </a:p>
@@ -392,7 +392,7 @@
           <a:p>
             <a:fld id="{91AD1934-2C2E-4B04-8139-C0F3732169AB}" type="datetimeFigureOut">
               <a:rPr lang="ko-KR" altLang="en-US" smtClean="0"/>
-              <a:t>2022-03-13</a:t>
+              <a:t>2023-02-18</a:t>
             </a:fld>
             <a:endParaRPr lang="ko-KR" altLang="en-US"/>
           </a:p>
@@ -900,7 +900,7 @@
           <a:p>
             <a:fld id="{810D21CC-F9D3-4B42-B284-4FAEB9F0806C}" type="datetime1">
               <a:rPr lang="ko-KR" altLang="en-US" smtClean="0"/>
-              <a:t>2022-03-13</a:t>
+              <a:t>2023-02-18</a:t>
             </a:fld>
             <a:endParaRPr lang="ko-KR" altLang="en-US"/>
           </a:p>
@@ -1069,7 +1069,7 @@
           <a:p>
             <a:fld id="{96C96309-2B8E-4DAA-91F7-5D43F66D06C8}" type="datetime1">
               <a:rPr lang="ko-KR" altLang="en-US" smtClean="0"/>
-              <a:t>2022-03-13</a:t>
+              <a:t>2023-02-18</a:t>
             </a:fld>
             <a:endParaRPr lang="ko-KR" altLang="en-US"/>
           </a:p>
@@ -1248,7 +1248,7 @@
           <a:p>
             <a:fld id="{794BF50F-09D6-433A-AEA6-604A79B88BD3}" type="datetime1">
               <a:rPr lang="ko-KR" altLang="en-US" smtClean="0"/>
-              <a:t>2022-03-13</a:t>
+              <a:t>2023-02-18</a:t>
             </a:fld>
             <a:endParaRPr lang="ko-KR" altLang="en-US"/>
           </a:p>
@@ -1417,7 +1417,7 @@
           <a:p>
             <a:fld id="{4885EF20-8A3B-4264-A363-580DAFD3E372}" type="datetime1">
               <a:rPr lang="ko-KR" altLang="en-US" smtClean="0"/>
-              <a:t>2022-03-13</a:t>
+              <a:t>2023-02-18</a:t>
             </a:fld>
             <a:endParaRPr lang="ko-KR" altLang="en-US"/>
           </a:p>
@@ -1663,7 +1663,7 @@
           <a:p>
             <a:fld id="{E1B6B7B0-324B-4B43-ABDD-2545170DD203}" type="datetime1">
               <a:rPr lang="ko-KR" altLang="en-US" smtClean="0"/>
-              <a:t>2022-03-13</a:t>
+              <a:t>2023-02-18</a:t>
             </a:fld>
             <a:endParaRPr lang="ko-KR" altLang="en-US"/>
           </a:p>
@@ -1949,7 +1949,7 @@
           <a:p>
             <a:fld id="{95A44145-D352-45D6-909E-784EE6D0069A}" type="datetime1">
               <a:rPr lang="ko-KR" altLang="en-US" smtClean="0"/>
-              <a:t>2022-03-13</a:t>
+              <a:t>2023-02-18</a:t>
             </a:fld>
             <a:endParaRPr lang="ko-KR" altLang="en-US"/>
           </a:p>
@@ -2369,7 +2369,7 @@
           <a:p>
             <a:fld id="{189A1209-EAA3-462F-B8E7-150F71EBF7DE}" type="datetime1">
               <a:rPr lang="ko-KR" altLang="en-US" smtClean="0"/>
-              <a:t>2022-03-13</a:t>
+              <a:t>2023-02-18</a:t>
             </a:fld>
             <a:endParaRPr lang="ko-KR" altLang="en-US"/>
           </a:p>
@@ -2487,7 +2487,7 @@
           <a:p>
             <a:fld id="{603A1D79-EB81-457C-94F3-3A3921BAA8DF}" type="datetime1">
               <a:rPr lang="ko-KR" altLang="en-US" smtClean="0"/>
-              <a:t>2022-03-13</a:t>
+              <a:t>2023-02-18</a:t>
             </a:fld>
             <a:endParaRPr lang="ko-KR" altLang="en-US"/>
           </a:p>
@@ -2583,7 +2583,7 @@
           <a:p>
             <a:fld id="{D1226408-A817-42D7-8F4B-FF0D5DE5A689}" type="datetime1">
               <a:rPr lang="ko-KR" altLang="en-US" smtClean="0"/>
-              <a:t>2022-03-13</a:t>
+              <a:t>2023-02-18</a:t>
             </a:fld>
             <a:endParaRPr lang="ko-KR" altLang="en-US"/>
           </a:p>
@@ -2859,7 +2859,7 @@
           <a:p>
             <a:fld id="{84951D3C-9B03-4B64-95B7-C9A9122F9E72}" type="datetime1">
               <a:rPr lang="ko-KR" altLang="en-US" smtClean="0"/>
-              <a:t>2022-03-13</a:t>
+              <a:t>2023-02-18</a:t>
             </a:fld>
             <a:endParaRPr lang="ko-KR" altLang="en-US"/>
           </a:p>
@@ -3112,7 +3112,7 @@
           <a:p>
             <a:fld id="{A5F2EE26-AAE7-4904-9B93-86B09C57C8B5}" type="datetime1">
               <a:rPr lang="ko-KR" altLang="en-US" smtClean="0"/>
-              <a:t>2022-03-13</a:t>
+              <a:t>2023-02-18</a:t>
             </a:fld>
             <a:endParaRPr lang="ko-KR" altLang="en-US"/>
           </a:p>
@@ -3324,7 +3324,7 @@
           <a:p>
             <a:fld id="{112F6A44-816E-4780-B597-BD7A10CDFC9E}" type="datetime1">
               <a:rPr lang="ko-KR" altLang="en-US" smtClean="0"/>
-              <a:t>2022-03-13</a:t>
+              <a:t>2023-02-18</a:t>
             </a:fld>
             <a:endParaRPr lang="ko-KR" altLang="en-US"/>
           </a:p>
@@ -3782,7 +3782,7 @@
         </p:nvSpPr>
         <p:spPr>
           <a:xfrm>
-            <a:off x="1524000" y="1024322"/>
+            <a:off x="2546651" y="764704"/>
             <a:ext cx="6096000" cy="1054167"/>
           </a:xfrm>
           <a:prstGeom prst="rect">
@@ -3825,7 +3825,7 @@
                 <a:latin typeface="HY견고딕" panose="02030600000101010101" pitchFamily="18" charset="-127"/>
                 <a:ea typeface="HY견고딕" panose="02030600000101010101" pitchFamily="18" charset="-127"/>
               </a:rPr>
-              <a:t>C# </a:t>
+              <a:t>C#22222 </a:t>
             </a:r>
             <a:r>
               <a:rPr lang="ko-KR" altLang="en-US" sz="3200" dirty="0" err="1">

--- a/C#학습교안.pptx
+++ b/C#학습교안.pptx
@@ -3825,7 +3825,7 @@
                 <a:latin typeface="HY견고딕" panose="02030600000101010101" pitchFamily="18" charset="-127"/>
                 <a:ea typeface="HY견고딕" panose="02030600000101010101" pitchFamily="18" charset="-127"/>
               </a:rPr>
-              <a:t>C#22222 </a:t>
+              <a:t>C# </a:t>
             </a:r>
             <a:r>
               <a:rPr lang="ko-KR" altLang="en-US" sz="3200" dirty="0" err="1">
@@ -3840,6 +3840,34 @@
                 <a:ea typeface="HY견고딕" panose="02030600000101010101" pitchFamily="18" charset="-127"/>
               </a:rPr>
               <a:t>학습교안</a:t>
+            </a:r>
+            <a:r>
+              <a:rPr lang="ko-KR" altLang="en-US" sz="3200" dirty="0">
+                <a:effectLst>
+                  <a:outerShdw blurRad="38100" dist="38100" dir="2700000" algn="tl">
+                    <a:srgbClr val="000000">
+                      <a:alpha val="43137"/>
+                    </a:srgbClr>
+                  </a:outerShdw>
+                </a:effectLst>
+                <a:latin typeface="HY견고딕" panose="02030600000101010101" pitchFamily="18" charset="-127"/>
+                <a:ea typeface="HY견고딕" panose="02030600000101010101" pitchFamily="18" charset="-127"/>
+              </a:rPr>
+              <a:t> </a:t>
+            </a:r>
+            <a:r>
+              <a:rPr lang="en-US" altLang="ko-KR" sz="3200" dirty="0">
+                <a:effectLst>
+                  <a:outerShdw blurRad="38100" dist="38100" dir="2700000" algn="tl">
+                    <a:srgbClr val="000000">
+                      <a:alpha val="43137"/>
+                    </a:srgbClr>
+                  </a:outerShdw>
+                </a:effectLst>
+                <a:latin typeface="HY견고딕" panose="02030600000101010101" pitchFamily="18" charset="-127"/>
+                <a:ea typeface="HY견고딕" panose="02030600000101010101" pitchFamily="18" charset="-127"/>
+              </a:rPr>
+              <a:t>_ Ver3</a:t>
             </a:r>
             <a:endParaRPr lang="ko-KR" altLang="en-US" sz="3200" dirty="0">
               <a:effectLst>

--- a/C#학습교안.pptx
+++ b/C#학습교안.pptx
@@ -3867,7 +3867,7 @@
                 <a:latin typeface="HY견고딕" panose="02030600000101010101" pitchFamily="18" charset="-127"/>
                 <a:ea typeface="HY견고딕" panose="02030600000101010101" pitchFamily="18" charset="-127"/>
               </a:rPr>
-              <a:t>_ Ver3</a:t>
+              <a:t>_ Ver4</a:t>
             </a:r>
             <a:endParaRPr lang="ko-KR" altLang="en-US" sz="3200" dirty="0">
               <a:effectLst>

--- a/C#학습교안.pptx
+++ b/C#학습교안.pptx
@@ -3867,7 +3867,7 @@
                 <a:latin typeface="HY견고딕" panose="02030600000101010101" pitchFamily="18" charset="-127"/>
                 <a:ea typeface="HY견고딕" panose="02030600000101010101" pitchFamily="18" charset="-127"/>
               </a:rPr>
-              <a:t>_ Ver4</a:t>
+              <a:t>_ Ver5</a:t>
             </a:r>
             <a:endParaRPr lang="ko-KR" altLang="en-US" sz="3200" dirty="0">
               <a:effectLst>

--- a/C#학습교안.pptx
+++ b/C#학습교안.pptx
@@ -226,7 +226,7 @@
           <a:p>
             <a:fld id="{E373CE7A-DA99-4F37-975C-5069997BE71A}" type="datetimeFigureOut">
               <a:rPr lang="ko-KR" altLang="en-US" smtClean="0"/>
-              <a:t>2023-02-18</a:t>
+              <a:t>2023-02-19</a:t>
             </a:fld>
             <a:endParaRPr lang="ko-KR" altLang="en-US"/>
           </a:p>
@@ -392,7 +392,7 @@
           <a:p>
             <a:fld id="{91AD1934-2C2E-4B04-8139-C0F3732169AB}" type="datetimeFigureOut">
               <a:rPr lang="ko-KR" altLang="en-US" smtClean="0"/>
-              <a:t>2023-02-18</a:t>
+              <a:t>2023-02-19</a:t>
             </a:fld>
             <a:endParaRPr lang="ko-KR" altLang="en-US"/>
           </a:p>
@@ -900,7 +900,7 @@
           <a:p>
             <a:fld id="{810D21CC-F9D3-4B42-B284-4FAEB9F0806C}" type="datetime1">
               <a:rPr lang="ko-KR" altLang="en-US" smtClean="0"/>
-              <a:t>2023-02-18</a:t>
+              <a:t>2023-02-19</a:t>
             </a:fld>
             <a:endParaRPr lang="ko-KR" altLang="en-US"/>
           </a:p>
@@ -1069,7 +1069,7 @@
           <a:p>
             <a:fld id="{96C96309-2B8E-4DAA-91F7-5D43F66D06C8}" type="datetime1">
               <a:rPr lang="ko-KR" altLang="en-US" smtClean="0"/>
-              <a:t>2023-02-18</a:t>
+              <a:t>2023-02-19</a:t>
             </a:fld>
             <a:endParaRPr lang="ko-KR" altLang="en-US"/>
           </a:p>
@@ -1248,7 +1248,7 @@
           <a:p>
             <a:fld id="{794BF50F-09D6-433A-AEA6-604A79B88BD3}" type="datetime1">
               <a:rPr lang="ko-KR" altLang="en-US" smtClean="0"/>
-              <a:t>2023-02-18</a:t>
+              <a:t>2023-02-19</a:t>
             </a:fld>
             <a:endParaRPr lang="ko-KR" altLang="en-US"/>
           </a:p>
@@ -1417,7 +1417,7 @@
           <a:p>
             <a:fld id="{4885EF20-8A3B-4264-A363-580DAFD3E372}" type="datetime1">
               <a:rPr lang="ko-KR" altLang="en-US" smtClean="0"/>
-              <a:t>2023-02-18</a:t>
+              <a:t>2023-02-19</a:t>
             </a:fld>
             <a:endParaRPr lang="ko-KR" altLang="en-US"/>
           </a:p>
@@ -1663,7 +1663,7 @@
           <a:p>
             <a:fld id="{E1B6B7B0-324B-4B43-ABDD-2545170DD203}" type="datetime1">
               <a:rPr lang="ko-KR" altLang="en-US" smtClean="0"/>
-              <a:t>2023-02-18</a:t>
+              <a:t>2023-02-19</a:t>
             </a:fld>
             <a:endParaRPr lang="ko-KR" altLang="en-US"/>
           </a:p>
@@ -1949,7 +1949,7 @@
           <a:p>
             <a:fld id="{95A44145-D352-45D6-909E-784EE6D0069A}" type="datetime1">
               <a:rPr lang="ko-KR" altLang="en-US" smtClean="0"/>
-              <a:t>2023-02-18</a:t>
+              <a:t>2023-02-19</a:t>
             </a:fld>
             <a:endParaRPr lang="ko-KR" altLang="en-US"/>
           </a:p>
@@ -2369,7 +2369,7 @@
           <a:p>
             <a:fld id="{189A1209-EAA3-462F-B8E7-150F71EBF7DE}" type="datetime1">
               <a:rPr lang="ko-KR" altLang="en-US" smtClean="0"/>
-              <a:t>2023-02-18</a:t>
+              <a:t>2023-02-19</a:t>
             </a:fld>
             <a:endParaRPr lang="ko-KR" altLang="en-US"/>
           </a:p>
@@ -2487,7 +2487,7 @@
           <a:p>
             <a:fld id="{603A1D79-EB81-457C-94F3-3A3921BAA8DF}" type="datetime1">
               <a:rPr lang="ko-KR" altLang="en-US" smtClean="0"/>
-              <a:t>2023-02-18</a:t>
+              <a:t>2023-02-19</a:t>
             </a:fld>
             <a:endParaRPr lang="ko-KR" altLang="en-US"/>
           </a:p>
@@ -2583,7 +2583,7 @@
           <a:p>
             <a:fld id="{D1226408-A817-42D7-8F4B-FF0D5DE5A689}" type="datetime1">
               <a:rPr lang="ko-KR" altLang="en-US" smtClean="0"/>
-              <a:t>2023-02-18</a:t>
+              <a:t>2023-02-19</a:t>
             </a:fld>
             <a:endParaRPr lang="ko-KR" altLang="en-US"/>
           </a:p>
@@ -2859,7 +2859,7 @@
           <a:p>
             <a:fld id="{84951D3C-9B03-4B64-95B7-C9A9122F9E72}" type="datetime1">
               <a:rPr lang="ko-KR" altLang="en-US" smtClean="0"/>
-              <a:t>2023-02-18</a:t>
+              <a:t>2023-02-19</a:t>
             </a:fld>
             <a:endParaRPr lang="ko-KR" altLang="en-US"/>
           </a:p>
@@ -3112,7 +3112,7 @@
           <a:p>
             <a:fld id="{A5F2EE26-AAE7-4904-9B93-86B09C57C8B5}" type="datetime1">
               <a:rPr lang="ko-KR" altLang="en-US" smtClean="0"/>
-              <a:t>2023-02-18</a:t>
+              <a:t>2023-02-19</a:t>
             </a:fld>
             <a:endParaRPr lang="ko-KR" altLang="en-US"/>
           </a:p>
@@ -3324,7 +3324,7 @@
           <a:p>
             <a:fld id="{112F6A44-816E-4780-B597-BD7A10CDFC9E}" type="datetime1">
               <a:rPr lang="ko-KR" altLang="en-US" smtClean="0"/>
-              <a:t>2023-02-18</a:t>
+              <a:t>2023-02-19</a:t>
             </a:fld>
             <a:endParaRPr lang="ko-KR" altLang="en-US"/>
           </a:p>
@@ -3867,7 +3867,7 @@
                 <a:latin typeface="HY견고딕" panose="02030600000101010101" pitchFamily="18" charset="-127"/>
                 <a:ea typeface="HY견고딕" panose="02030600000101010101" pitchFamily="18" charset="-127"/>
               </a:rPr>
-              <a:t>_ Ver5</a:t>
+              <a:t>_ Ver6</a:t>
             </a:r>
             <a:endParaRPr lang="ko-KR" altLang="en-US" sz="3200" dirty="0">
               <a:effectLst>

--- a/C#학습교안.pptx
+++ b/C#학습교안.pptx
@@ -3867,7 +3867,7 @@
                 <a:latin typeface="HY견고딕" panose="02030600000101010101" pitchFamily="18" charset="-127"/>
                 <a:ea typeface="HY견고딕" panose="02030600000101010101" pitchFamily="18" charset="-127"/>
               </a:rPr>
-              <a:t>_ Ver6</a:t>
+              <a:t>_ Ver7</a:t>
             </a:r>
             <a:endParaRPr lang="ko-KR" altLang="en-US" sz="3200" dirty="0">
               <a:effectLst>
